--- a/기획안/기획안_팀명(기본양식).pptx
+++ b/기획안/기획안_팀명(기본양식).pptx
@@ -123,7 +123,7 @@
 <file path=ppt/revisionInfo.xml><?xml version="1.0" encoding="utf-8"?>
 <p1510:revInfo xmlns:a="http://schemas.openxmlformats.org/drawingml/2006/main" xmlns:r="http://schemas.openxmlformats.org/officeDocument/2006/relationships" xmlns:p1510="http://schemas.microsoft.com/office/powerpoint/2015/10/main">
   <p1510:revLst>
-    <p1510:client id="{FD72C2EC-C6C5-4CD5-BBEF-4035A05F8DEF}" v="334" dt="2020-01-30T12:36:05.276"/>
+    <p1510:client id="{FD72C2EC-C6C5-4CD5-BBEF-4035A05F8DEF}" v="404" dt="2020-01-31T09:30:47.895"/>
   </p1510:revLst>
 </p1510:revInfo>
 </file>
@@ -132,8 +132,8 @@
 <pc:chgInfo xmlns:a="http://schemas.openxmlformats.org/drawingml/2006/main" xmlns:r="http://schemas.openxmlformats.org/officeDocument/2006/relationships" xmlns:ac="http://schemas.microsoft.com/office/drawing/2013/main/command" xmlns:pc="http://schemas.microsoft.com/office/powerpoint/2013/main/command">
   <pc:docChgLst>
     <pc:chgData name="황지민" userId="e7d6ee1b-b829-4524-93ab-538a863ba162" providerId="ADAL" clId="{FD72C2EC-C6C5-4CD5-BBEF-4035A05F8DEF}"/>
-    <pc:docChg chg="undo custSel addSld delSld modSld sldOrd">
-      <pc:chgData name="황지민" userId="e7d6ee1b-b829-4524-93ab-538a863ba162" providerId="ADAL" clId="{FD72C2EC-C6C5-4CD5-BBEF-4035A05F8DEF}" dt="2020-01-30T12:37:43.755" v="4346" actId="1076"/>
+    <pc:docChg chg="undo redo custSel addSld delSld modSld sldOrd">
+      <pc:chgData name="황지민" userId="e7d6ee1b-b829-4524-93ab-538a863ba162" providerId="ADAL" clId="{FD72C2EC-C6C5-4CD5-BBEF-4035A05F8DEF}" dt="2020-01-31T09:34:34.180" v="5186" actId="1076"/>
       <pc:docMkLst>
         <pc:docMk/>
       </pc:docMkLst>
@@ -176,7 +176,7 @@
         </pc:graphicFrameChg>
       </pc:sldChg>
       <pc:sldChg chg="modSp">
-        <pc:chgData name="황지민" userId="e7d6ee1b-b829-4524-93ab-538a863ba162" providerId="ADAL" clId="{FD72C2EC-C6C5-4CD5-BBEF-4035A05F8DEF}" dt="2020-01-30T12:25:47.554" v="4266" actId="1076"/>
+        <pc:chgData name="황지민" userId="e7d6ee1b-b829-4524-93ab-538a863ba162" providerId="ADAL" clId="{FD72C2EC-C6C5-4CD5-BBEF-4035A05F8DEF}" dt="2020-01-31T08:57:55.218" v="4366"/>
         <pc:sldMkLst>
           <pc:docMk/>
           <pc:sldMk cId="1180686760" sldId="262"/>
@@ -190,7 +190,7 @@
           </ac:spMkLst>
         </pc:spChg>
         <pc:spChg chg="mod">
-          <ac:chgData name="황지민" userId="e7d6ee1b-b829-4524-93ab-538a863ba162" providerId="ADAL" clId="{FD72C2EC-C6C5-4CD5-BBEF-4035A05F8DEF}" dt="2020-01-30T12:25:47.554" v="4266" actId="1076"/>
+          <ac:chgData name="황지민" userId="e7d6ee1b-b829-4524-93ab-538a863ba162" providerId="ADAL" clId="{FD72C2EC-C6C5-4CD5-BBEF-4035A05F8DEF}" dt="2020-01-31T08:57:55.218" v="4366"/>
           <ac:spMkLst>
             <pc:docMk/>
             <pc:sldMk cId="1180686760" sldId="262"/>
@@ -199,13 +199,13 @@
         </pc:spChg>
       </pc:sldChg>
       <pc:sldChg chg="modSp">
-        <pc:chgData name="황지민" userId="e7d6ee1b-b829-4524-93ab-538a863ba162" providerId="ADAL" clId="{FD72C2EC-C6C5-4CD5-BBEF-4035A05F8DEF}" dt="2020-01-30T12:34:53.394" v="4301" actId="948"/>
+        <pc:chgData name="황지민" userId="e7d6ee1b-b829-4524-93ab-538a863ba162" providerId="ADAL" clId="{FD72C2EC-C6C5-4CD5-BBEF-4035A05F8DEF}" dt="2020-01-31T09:28:06.209" v="5012"/>
         <pc:sldMkLst>
           <pc:docMk/>
           <pc:sldMk cId="1912513063" sldId="263"/>
         </pc:sldMkLst>
         <pc:spChg chg="mod">
-          <ac:chgData name="황지민" userId="e7d6ee1b-b829-4524-93ab-538a863ba162" providerId="ADAL" clId="{FD72C2EC-C6C5-4CD5-BBEF-4035A05F8DEF}" dt="2020-01-30T12:34:53.394" v="4301" actId="948"/>
+          <ac:chgData name="황지민" userId="e7d6ee1b-b829-4524-93ab-538a863ba162" providerId="ADAL" clId="{FD72C2EC-C6C5-4CD5-BBEF-4035A05F8DEF}" dt="2020-01-31T09:28:06.209" v="5012"/>
           <ac:spMkLst>
             <pc:docMk/>
             <pc:sldMk cId="1912513063" sldId="263"/>
@@ -222,7 +222,7 @@
         </pc:spChg>
       </pc:sldChg>
       <pc:sldChg chg="modSp ord">
-        <pc:chgData name="황지민" userId="e7d6ee1b-b829-4524-93ab-538a863ba162" providerId="ADAL" clId="{FD72C2EC-C6C5-4CD5-BBEF-4035A05F8DEF}" dt="2020-01-30T12:27:24.223" v="4278" actId="20577"/>
+        <pc:chgData name="황지민" userId="e7d6ee1b-b829-4524-93ab-538a863ba162" providerId="ADAL" clId="{FD72C2EC-C6C5-4CD5-BBEF-4035A05F8DEF}" dt="2020-01-31T09:33:46.940" v="5170" actId="20577"/>
         <pc:sldMkLst>
           <pc:docMk/>
           <pc:sldMk cId="1126309947" sldId="264"/>
@@ -236,13 +236,29 @@
           </ac:spMkLst>
         </pc:spChg>
         <pc:spChg chg="mod">
-          <ac:chgData name="황지민" userId="e7d6ee1b-b829-4524-93ab-538a863ba162" providerId="ADAL" clId="{FD72C2EC-C6C5-4CD5-BBEF-4035A05F8DEF}" dt="2020-01-30T12:27:24.223" v="4278" actId="20577"/>
+          <ac:chgData name="황지민" userId="e7d6ee1b-b829-4524-93ab-538a863ba162" providerId="ADAL" clId="{FD72C2EC-C6C5-4CD5-BBEF-4035A05F8DEF}" dt="2020-01-31T09:33:46.940" v="5170" actId="20577"/>
           <ac:spMkLst>
             <pc:docMk/>
             <pc:sldMk cId="1126309947" sldId="264"/>
             <ac:spMk id="6" creationId="{00000000-0000-0000-0000-000000000000}"/>
           </ac:spMkLst>
         </pc:spChg>
+        <pc:picChg chg="mod">
+          <ac:chgData name="황지민" userId="e7d6ee1b-b829-4524-93ab-538a863ba162" providerId="ADAL" clId="{FD72C2EC-C6C5-4CD5-BBEF-4035A05F8DEF}" dt="2020-01-31T09:31:27.062" v="5161" actId="1076"/>
+          <ac:picMkLst>
+            <pc:docMk/>
+            <pc:sldMk cId="1126309947" sldId="264"/>
+            <ac:picMk id="2" creationId="{00000000-0000-0000-0000-000000000000}"/>
+          </ac:picMkLst>
+        </pc:picChg>
+        <pc:picChg chg="mod">
+          <ac:chgData name="황지민" userId="e7d6ee1b-b829-4524-93ab-538a863ba162" providerId="ADAL" clId="{FD72C2EC-C6C5-4CD5-BBEF-4035A05F8DEF}" dt="2020-01-31T09:31:25.224" v="5160" actId="1076"/>
+          <ac:picMkLst>
+            <pc:docMk/>
+            <pc:sldMk cId="1126309947" sldId="264"/>
+            <ac:picMk id="7" creationId="{00000000-0000-0000-0000-000000000000}"/>
+          </ac:picMkLst>
+        </pc:picChg>
       </pc:sldChg>
       <pc:sldChg chg="modSp del">
         <pc:chgData name="황지민" userId="e7d6ee1b-b829-4524-93ab-538a863ba162" providerId="ADAL" clId="{FD72C2EC-C6C5-4CD5-BBEF-4035A05F8DEF}" dt="2020-01-30T12:26:52.261" v="4273" actId="47"/>
@@ -276,17 +292,33 @@
         </pc:picChg>
       </pc:sldChg>
       <pc:sldChg chg="addSp delSp modSp add ord">
-        <pc:chgData name="황지민" userId="e7d6ee1b-b829-4524-93ab-538a863ba162" providerId="ADAL" clId="{FD72C2EC-C6C5-4CD5-BBEF-4035A05F8DEF}" dt="2020-01-30T12:37:43.755" v="4346" actId="1076"/>
+        <pc:chgData name="황지민" userId="e7d6ee1b-b829-4524-93ab-538a863ba162" providerId="ADAL" clId="{FD72C2EC-C6C5-4CD5-BBEF-4035A05F8DEF}" dt="2020-01-31T09:31:02.275" v="5159" actId="1076"/>
         <pc:sldMkLst>
           <pc:docMk/>
           <pc:sldMk cId="2185526728" sldId="266"/>
         </pc:sldMkLst>
+        <pc:spChg chg="add del mod">
+          <ac:chgData name="황지민" userId="e7d6ee1b-b829-4524-93ab-538a863ba162" providerId="ADAL" clId="{FD72C2EC-C6C5-4CD5-BBEF-4035A05F8DEF}" dt="2020-01-31T09:29:27.498" v="5014" actId="478"/>
+          <ac:spMkLst>
+            <pc:docMk/>
+            <pc:sldMk cId="2185526728" sldId="266"/>
+            <ac:spMk id="2" creationId="{DE348D40-33D6-4CC6-92F8-CC7C44781A78}"/>
+          </ac:spMkLst>
+        </pc:spChg>
         <pc:spChg chg="del">
           <ac:chgData name="황지민" userId="e7d6ee1b-b829-4524-93ab-538a863ba162" providerId="ADAL" clId="{FD72C2EC-C6C5-4CD5-BBEF-4035A05F8DEF}" dt="2020-01-30T11:15:33.767" v="2587" actId="478"/>
           <ac:spMkLst>
             <pc:docMk/>
             <pc:sldMk cId="2185526728" sldId="266"/>
             <ac:spMk id="4" creationId="{00000000-0000-0000-0000-000000000000}"/>
+          </ac:spMkLst>
+        </pc:spChg>
+        <pc:spChg chg="add mod">
+          <ac:chgData name="황지민" userId="e7d6ee1b-b829-4524-93ab-538a863ba162" providerId="ADAL" clId="{FD72C2EC-C6C5-4CD5-BBEF-4035A05F8DEF}" dt="2020-01-31T09:30:13.729" v="5069" actId="1037"/>
+          <ac:spMkLst>
+            <pc:docMk/>
+            <pc:sldMk cId="2185526728" sldId="266"/>
+            <ac:spMk id="4" creationId="{9AC17871-00D6-4B5E-9F34-29FF615FC12D}"/>
           </ac:spMkLst>
         </pc:spChg>
         <pc:spChg chg="mod">
@@ -306,11 +338,19 @@
           </ac:spMkLst>
         </pc:spChg>
         <pc:spChg chg="add mod">
-          <ac:chgData name="황지민" userId="e7d6ee1b-b829-4524-93ab-538a863ba162" providerId="ADAL" clId="{FD72C2EC-C6C5-4CD5-BBEF-4035A05F8DEF}" dt="2020-01-30T12:36:31.117" v="4326" actId="404"/>
+          <ac:chgData name="황지민" userId="e7d6ee1b-b829-4524-93ab-538a863ba162" providerId="ADAL" clId="{FD72C2EC-C6C5-4CD5-BBEF-4035A05F8DEF}" dt="2020-01-31T09:27:44.470" v="5011"/>
           <ac:spMkLst>
             <pc:docMk/>
             <pc:sldMk cId="2185526728" sldId="266"/>
             <ac:spMk id="12" creationId="{E516396B-4FDA-4CCC-ADDB-ABF98D9877CF}"/>
+          </ac:spMkLst>
+        </pc:spChg>
+        <pc:spChg chg="add mod">
+          <ac:chgData name="황지민" userId="e7d6ee1b-b829-4524-93ab-538a863ba162" providerId="ADAL" clId="{FD72C2EC-C6C5-4CD5-BBEF-4035A05F8DEF}" dt="2020-01-31T09:31:02.275" v="5159" actId="1076"/>
+          <ac:spMkLst>
+            <pc:docMk/>
+            <pc:sldMk cId="2185526728" sldId="266"/>
+            <ac:spMk id="13" creationId="{F4A89E74-7787-41E1-A2C1-FD6F1C63DF14}"/>
           </ac:spMkLst>
         </pc:spChg>
         <pc:picChg chg="del">
@@ -322,7 +362,7 @@
           </ac:picMkLst>
         </pc:picChg>
         <pc:picChg chg="add mod">
-          <ac:chgData name="황지민" userId="e7d6ee1b-b829-4524-93ab-538a863ba162" providerId="ADAL" clId="{FD72C2EC-C6C5-4CD5-BBEF-4035A05F8DEF}" dt="2020-01-30T12:37:15.753" v="4343" actId="1076"/>
+          <ac:chgData name="황지민" userId="e7d6ee1b-b829-4524-93ab-538a863ba162" providerId="ADAL" clId="{FD72C2EC-C6C5-4CD5-BBEF-4035A05F8DEF}" dt="2020-01-31T09:29:53.325" v="5061" actId="1076"/>
           <ac:picMkLst>
             <pc:docMk/>
             <pc:sldMk cId="2185526728" sldId="266"/>
@@ -346,7 +386,7 @@
           </ac:picMkLst>
         </pc:picChg>
         <pc:picChg chg="add mod">
-          <ac:chgData name="황지민" userId="e7d6ee1b-b829-4524-93ab-538a863ba162" providerId="ADAL" clId="{FD72C2EC-C6C5-4CD5-BBEF-4035A05F8DEF}" dt="2020-01-30T12:37:43.755" v="4346" actId="1076"/>
+          <ac:chgData name="황지민" userId="e7d6ee1b-b829-4524-93ab-538a863ba162" providerId="ADAL" clId="{FD72C2EC-C6C5-4CD5-BBEF-4035A05F8DEF}" dt="2020-01-31T09:30:58.156" v="5158" actId="14100"/>
           <ac:picMkLst>
             <pc:docMk/>
             <pc:sldMk cId="2185526728" sldId="266"/>
@@ -355,7 +395,7 @@
         </pc:picChg>
       </pc:sldChg>
       <pc:sldChg chg="addSp delSp modSp add ord">
-        <pc:chgData name="황지민" userId="e7d6ee1b-b829-4524-93ab-538a863ba162" providerId="ADAL" clId="{FD72C2EC-C6C5-4CD5-BBEF-4035A05F8DEF}" dt="2020-01-30T12:26:27.712" v="4271" actId="1076"/>
+        <pc:chgData name="황지민" userId="e7d6ee1b-b829-4524-93ab-538a863ba162" providerId="ADAL" clId="{FD72C2EC-C6C5-4CD5-BBEF-4035A05F8DEF}" dt="2020-01-31T09:34:34.180" v="5186" actId="1076"/>
         <pc:sldMkLst>
           <pc:docMk/>
           <pc:sldMk cId="220361360" sldId="267"/>
@@ -369,7 +409,7 @@
           </ac:spMkLst>
         </pc:spChg>
         <pc:spChg chg="mod">
-          <ac:chgData name="황지민" userId="e7d6ee1b-b829-4524-93ab-538a863ba162" providerId="ADAL" clId="{FD72C2EC-C6C5-4CD5-BBEF-4035A05F8DEF}" dt="2020-01-30T12:26:27.712" v="4271" actId="1076"/>
+          <ac:chgData name="황지민" userId="e7d6ee1b-b829-4524-93ab-538a863ba162" providerId="ADAL" clId="{FD72C2EC-C6C5-4CD5-BBEF-4035A05F8DEF}" dt="2020-01-31T09:34:04.325" v="5183" actId="403"/>
           <ac:spMkLst>
             <pc:docMk/>
             <pc:sldMk cId="220361360" sldId="267"/>
@@ -377,7 +417,7 @@
           </ac:spMkLst>
         </pc:spChg>
         <pc:spChg chg="add mod">
-          <ac:chgData name="황지민" userId="e7d6ee1b-b829-4524-93ab-538a863ba162" providerId="ADAL" clId="{FD72C2EC-C6C5-4CD5-BBEF-4035A05F8DEF}" dt="2020-01-30T12:24:02.229" v="4261" actId="1076"/>
+          <ac:chgData name="황지민" userId="e7d6ee1b-b829-4524-93ab-538a863ba162" providerId="ADAL" clId="{FD72C2EC-C6C5-4CD5-BBEF-4035A05F8DEF}" dt="2020-01-31T09:34:34.180" v="5186" actId="1076"/>
           <ac:spMkLst>
             <pc:docMk/>
             <pc:sldMk cId="220361360" sldId="267"/>
@@ -385,7 +425,7 @@
           </ac:spMkLst>
         </pc:spChg>
         <pc:spChg chg="add mod">
-          <ac:chgData name="황지민" userId="e7d6ee1b-b829-4524-93ab-538a863ba162" providerId="ADAL" clId="{FD72C2EC-C6C5-4CD5-BBEF-4035A05F8DEF}" dt="2020-01-30T12:24:02.229" v="4261" actId="1076"/>
+          <ac:chgData name="황지민" userId="e7d6ee1b-b829-4524-93ab-538a863ba162" providerId="ADAL" clId="{FD72C2EC-C6C5-4CD5-BBEF-4035A05F8DEF}" dt="2020-01-31T09:34:25.855" v="5185" actId="1076"/>
           <ac:spMkLst>
             <pc:docMk/>
             <pc:sldMk cId="220361360" sldId="267"/>
@@ -528,7 +568,7 @@
           <a:p>
             <a:fld id="{9E90E701-1770-D641-879F-F25D7F813372}" type="datetimeFigureOut">
               <a:rPr kumimoji="1" lang="ko-KR" altLang="en-US" smtClean="0"/>
-              <a:t>2020-01-30</a:t>
+              <a:t>2020-01-31</a:t>
             </a:fld>
             <a:endParaRPr kumimoji="1" lang="ko-KR" altLang="en-US"/>
           </a:p>
@@ -879,6 +919,90 @@
 </p:notes>
 </file>
 
+<file path=ppt/notesSlides/notesSlide2.xml><?xml version="1.0" encoding="utf-8"?>
+<p:notes xmlns:a="http://schemas.openxmlformats.org/drawingml/2006/main" xmlns:r="http://schemas.openxmlformats.org/officeDocument/2006/relationships" xmlns:p="http://schemas.openxmlformats.org/presentationml/2006/main">
+  <p:cSld>
+    <p:spTree>
+      <p:nvGrpSpPr>
+        <p:cNvPr id="1" name=""/>
+        <p:cNvGrpSpPr/>
+        <p:nvPr/>
+      </p:nvGrpSpPr>
+      <p:grpSpPr>
+        <a:xfrm>
+          <a:off x="0" y="0"/>
+          <a:ext cx="0" cy="0"/>
+          <a:chOff x="0" y="0"/>
+          <a:chExt cx="0" cy="0"/>
+        </a:xfrm>
+      </p:grpSpPr>
+      <p:sp>
+        <p:nvSpPr>
+          <p:cNvPr id="2" name="슬라이드 이미지 개체 틀 1"/>
+          <p:cNvSpPr>
+            <a:spLocks noGrp="1" noRot="1" noChangeAspect="1"/>
+          </p:cNvSpPr>
+          <p:nvPr>
+            <p:ph type="sldImg"/>
+          </p:nvPr>
+        </p:nvSpPr>
+        <p:spPr/>
+      </p:sp>
+      <p:sp>
+        <p:nvSpPr>
+          <p:cNvPr id="3" name="슬라이드 노트 개체 틀 2"/>
+          <p:cNvSpPr>
+            <a:spLocks noGrp="1"/>
+          </p:cNvSpPr>
+          <p:nvPr>
+            <p:ph type="body" idx="1"/>
+          </p:nvPr>
+        </p:nvSpPr>
+        <p:spPr/>
+        <p:txBody>
+          <a:bodyPr/>
+          <a:lstStyle/>
+          <a:p>
+            <a:endParaRPr lang="ko-KR" altLang="en-US" dirty="0"/>
+          </a:p>
+        </p:txBody>
+      </p:sp>
+      <p:sp>
+        <p:nvSpPr>
+          <p:cNvPr id="4" name="슬라이드 번호 개체 틀 3"/>
+          <p:cNvSpPr>
+            <a:spLocks noGrp="1"/>
+          </p:cNvSpPr>
+          <p:nvPr>
+            <p:ph type="sldNum" sz="quarter" idx="5"/>
+          </p:nvPr>
+        </p:nvSpPr>
+        <p:spPr/>
+        <p:txBody>
+          <a:bodyPr/>
+          <a:lstStyle/>
+          <a:p>
+            <a:fld id="{57AD50C9-FF12-1648-8BD0-AFE26BC69601}" type="slidenum">
+              <a:rPr kumimoji="1" lang="ko-KR" altLang="en-US" smtClean="0"/>
+              <a:t>4</a:t>
+            </a:fld>
+            <a:endParaRPr kumimoji="1" lang="ko-KR" altLang="en-US"/>
+          </a:p>
+        </p:txBody>
+      </p:sp>
+    </p:spTree>
+    <p:extLst>
+      <p:ext uri="{BB962C8B-B14F-4D97-AF65-F5344CB8AC3E}">
+        <p14:creationId xmlns:p14="http://schemas.microsoft.com/office/powerpoint/2010/main" val="3728269892"/>
+      </p:ext>
+    </p:extLst>
+  </p:cSld>
+  <p:clrMapOvr>
+    <a:masterClrMapping/>
+  </p:clrMapOvr>
+</p:notes>
+</file>
+
 <file path=ppt/slideLayouts/slideLayout1.xml><?xml version="1.0" encoding="utf-8"?>
 <p:sldLayout xmlns:a="http://schemas.openxmlformats.org/drawingml/2006/main" xmlns:r="http://schemas.openxmlformats.org/officeDocument/2006/relationships" xmlns:p="http://schemas.openxmlformats.org/presentationml/2006/main" type="title" preserve="1">
   <p:cSld name="제목 슬라이드">
@@ -1008,7 +1132,7 @@
           <a:p>
             <a:fld id="{A1EBC48F-8220-5947-9C91-FA1E075B5D2C}" type="datetimeFigureOut">
               <a:rPr kumimoji="1" lang="ko-KR" altLang="en-US" smtClean="0"/>
-              <a:t>2020-01-30</a:t>
+              <a:t>2020-01-31</a:t>
             </a:fld>
             <a:endParaRPr kumimoji="1" lang="ko-KR" altLang="en-US"/>
           </a:p>
@@ -1176,7 +1300,7 @@
           <a:p>
             <a:fld id="{A1EBC48F-8220-5947-9C91-FA1E075B5D2C}" type="datetimeFigureOut">
               <a:rPr kumimoji="1" lang="ko-KR" altLang="en-US" smtClean="0"/>
-              <a:t>2020-01-30</a:t>
+              <a:t>2020-01-31</a:t>
             </a:fld>
             <a:endParaRPr kumimoji="1" lang="ko-KR" altLang="en-US"/>
           </a:p>
@@ -1354,7 +1478,7 @@
           <a:p>
             <a:fld id="{A1EBC48F-8220-5947-9C91-FA1E075B5D2C}" type="datetimeFigureOut">
               <a:rPr kumimoji="1" lang="ko-KR" altLang="en-US" smtClean="0"/>
-              <a:t>2020-01-30</a:t>
+              <a:t>2020-01-31</a:t>
             </a:fld>
             <a:endParaRPr kumimoji="1" lang="ko-KR" altLang="en-US"/>
           </a:p>
@@ -1522,7 +1646,7 @@
           <a:p>
             <a:fld id="{A1EBC48F-8220-5947-9C91-FA1E075B5D2C}" type="datetimeFigureOut">
               <a:rPr kumimoji="1" lang="ko-KR" altLang="en-US" smtClean="0"/>
-              <a:t>2020-01-30</a:t>
+              <a:t>2020-01-31</a:t>
             </a:fld>
             <a:endParaRPr kumimoji="1" lang="ko-KR" altLang="en-US"/>
           </a:p>
@@ -1767,7 +1891,7 @@
           <a:p>
             <a:fld id="{A1EBC48F-8220-5947-9C91-FA1E075B5D2C}" type="datetimeFigureOut">
               <a:rPr kumimoji="1" lang="ko-KR" altLang="en-US" smtClean="0"/>
-              <a:t>2020-01-30</a:t>
+              <a:t>2020-01-31</a:t>
             </a:fld>
             <a:endParaRPr kumimoji="1" lang="ko-KR" altLang="en-US"/>
           </a:p>
@@ -1996,7 +2120,7 @@
           <a:p>
             <a:fld id="{A1EBC48F-8220-5947-9C91-FA1E075B5D2C}" type="datetimeFigureOut">
               <a:rPr kumimoji="1" lang="ko-KR" altLang="en-US" smtClean="0"/>
-              <a:t>2020-01-30</a:t>
+              <a:t>2020-01-31</a:t>
             </a:fld>
             <a:endParaRPr kumimoji="1" lang="ko-KR" altLang="en-US"/>
           </a:p>
@@ -2360,7 +2484,7 @@
           <a:p>
             <a:fld id="{A1EBC48F-8220-5947-9C91-FA1E075B5D2C}" type="datetimeFigureOut">
               <a:rPr kumimoji="1" lang="ko-KR" altLang="en-US" smtClean="0"/>
-              <a:t>2020-01-30</a:t>
+              <a:t>2020-01-31</a:t>
             </a:fld>
             <a:endParaRPr kumimoji="1" lang="ko-KR" altLang="en-US"/>
           </a:p>
@@ -2477,7 +2601,7 @@
           <a:p>
             <a:fld id="{A1EBC48F-8220-5947-9C91-FA1E075B5D2C}" type="datetimeFigureOut">
               <a:rPr kumimoji="1" lang="ko-KR" altLang="en-US" smtClean="0"/>
-              <a:t>2020-01-30</a:t>
+              <a:t>2020-01-31</a:t>
             </a:fld>
             <a:endParaRPr kumimoji="1" lang="ko-KR" altLang="en-US"/>
           </a:p>
@@ -2572,7 +2696,7 @@
           <a:p>
             <a:fld id="{A1EBC48F-8220-5947-9C91-FA1E075B5D2C}" type="datetimeFigureOut">
               <a:rPr kumimoji="1" lang="ko-KR" altLang="en-US" smtClean="0"/>
-              <a:t>2020-01-30</a:t>
+              <a:t>2020-01-31</a:t>
             </a:fld>
             <a:endParaRPr kumimoji="1" lang="ko-KR" altLang="en-US"/>
           </a:p>
@@ -2847,7 +2971,7 @@
           <a:p>
             <a:fld id="{A1EBC48F-8220-5947-9C91-FA1E075B5D2C}" type="datetimeFigureOut">
               <a:rPr kumimoji="1" lang="ko-KR" altLang="en-US" smtClean="0"/>
-              <a:t>2020-01-30</a:t>
+              <a:t>2020-01-31</a:t>
             </a:fld>
             <a:endParaRPr kumimoji="1" lang="ko-KR" altLang="en-US"/>
           </a:p>
@@ -3099,7 +3223,7 @@
           <a:p>
             <a:fld id="{A1EBC48F-8220-5947-9C91-FA1E075B5D2C}" type="datetimeFigureOut">
               <a:rPr kumimoji="1" lang="ko-KR" altLang="en-US" smtClean="0"/>
-              <a:t>2020-01-30</a:t>
+              <a:t>2020-01-31</a:t>
             </a:fld>
             <a:endParaRPr kumimoji="1" lang="ko-KR" altLang="en-US"/>
           </a:p>
@@ -3310,7 +3434,7 @@
           <a:p>
             <a:fld id="{A1EBC48F-8220-5947-9C91-FA1E075B5D2C}" type="datetimeFigureOut">
               <a:rPr kumimoji="1" lang="ko-KR" altLang="en-US" smtClean="0"/>
-              <a:t>2020-01-30</a:t>
+              <a:t>2020-01-31</a:t>
             </a:fld>
             <a:endParaRPr kumimoji="1" lang="ko-KR" altLang="en-US"/>
           </a:p>
@@ -5316,15 +5440,15 @@
                   <a:srgbClr val="08A030"/>
                 </a:solidFill>
               </a:rPr>
-              <a:t>어렸을 적 </a:t>
-            </a:r>
-            <a:r>
-              <a:rPr lang="en-US" altLang="ko-KR" sz="1400" dirty="0">
-                <a:solidFill>
-                  <a:srgbClr val="08A030"/>
-                </a:solidFill>
-              </a:rPr>
-              <a:t>‘</a:t>
+              <a:t>어렸을 적 ‘</a:t>
+            </a:r>
+            <a:r>
+              <a:rPr lang="ko-KR" altLang="en-US" sz="1400" dirty="0" err="1">
+                <a:solidFill>
+                  <a:srgbClr val="08A030"/>
+                </a:solidFill>
+              </a:rPr>
+              <a:t>포켓몬스터’라는</a:t>
             </a:r>
             <a:r>
               <a:rPr lang="ko-KR" altLang="en-US" sz="1400" dirty="0">
@@ -5332,39 +5456,7 @@
                   <a:srgbClr val="08A030"/>
                 </a:solidFill>
               </a:rPr>
-              <a:t>포켓몬스터</a:t>
-            </a:r>
-            <a:r>
-              <a:rPr lang="en-US" altLang="ko-KR" sz="1400" dirty="0">
-                <a:solidFill>
-                  <a:srgbClr val="08A030"/>
-                </a:solidFill>
-              </a:rPr>
-              <a:t>’</a:t>
-            </a:r>
-            <a:r>
-              <a:rPr lang="ko-KR" altLang="en-US" sz="1400" dirty="0">
-                <a:solidFill>
-                  <a:srgbClr val="08A030"/>
-                </a:solidFill>
-              </a:rPr>
-              <a:t>라는</a:t>
-            </a:r>
-            <a:r>
-              <a:rPr lang="en-US" altLang="ko-KR" sz="1400" dirty="0">
-                <a:solidFill>
-                  <a:srgbClr val="08A030"/>
-                </a:solidFill>
-              </a:rPr>
-              <a:t> </a:t>
-            </a:r>
-            <a:r>
-              <a:rPr lang="ko-KR" altLang="en-US" sz="1400" dirty="0">
-                <a:solidFill>
-                  <a:srgbClr val="08A030"/>
-                </a:solidFill>
-              </a:rPr>
-              <a:t>만화영화를 보면서 몬스터 사진을 찍으면 해당 몬스터에 대해서 몬스터의 분류</a:t>
+              <a:t> 만화영화를 보면서 몬스터 사진을 찍으면 해당 몬스터에 대해서 몬스터의 분류</a:t>
             </a:r>
             <a:r>
               <a:rPr lang="en-US" altLang="ko-KR" sz="1400" dirty="0">
@@ -5415,7 +5507,23 @@
                   <a:srgbClr val="08A030"/>
                 </a:solidFill>
               </a:rPr>
-              <a:t>저희가 구현하고자 하는 </a:t>
+              <a:t>저희가 구현하고자 하는 ‘무엇이든 찍어주세요 </a:t>
+            </a:r>
+            <a:r>
+              <a:rPr lang="ko-KR" altLang="en-US" sz="1400" dirty="0" err="1">
+                <a:solidFill>
+                  <a:srgbClr val="08A030"/>
+                </a:solidFill>
+              </a:rPr>
+              <a:t>만물도감’은</a:t>
+            </a:r>
+            <a:r>
+              <a:rPr lang="ko-KR" altLang="en-US" sz="1400" dirty="0">
+                <a:solidFill>
+                  <a:srgbClr val="08A030"/>
+                </a:solidFill>
+              </a:rPr>
+              <a:t> 차량이나 식물 등의 사진을 찍어서 소분류를 나눈 뒤</a:t>
             </a:r>
             <a:r>
               <a:rPr lang="en-US" altLang="ko-KR" sz="1400" dirty="0">
@@ -5423,7 +5531,7 @@
                   <a:srgbClr val="08A030"/>
                 </a:solidFill>
               </a:rPr>
-              <a:t>‘</a:t>
+              <a:t>, </a:t>
             </a:r>
             <a:r>
               <a:rPr lang="ko-KR" altLang="en-US" sz="1400" dirty="0">
@@ -5431,7 +5539,7 @@
                   <a:srgbClr val="08A030"/>
                 </a:solidFill>
               </a:rPr>
-              <a:t>무엇이든 찍어주세요 만물도감</a:t>
+              <a:t>사진에 있는 사물에 대한 정보를 사용자에게 음성으로 안내해줍니다</a:t>
             </a:r>
             <a:r>
               <a:rPr lang="en-US" altLang="ko-KR" sz="1400" dirty="0">
@@ -5439,7 +5547,7 @@
                   <a:srgbClr val="08A030"/>
                 </a:solidFill>
               </a:rPr>
-              <a:t>’</a:t>
+              <a:t>. </a:t>
             </a:r>
             <a:r>
               <a:rPr lang="ko-KR" altLang="en-US" sz="1400" dirty="0">
@@ -5447,7 +5555,7 @@
                   <a:srgbClr val="08A030"/>
                 </a:solidFill>
               </a:rPr>
-              <a:t>은 차량이나 식물 등의 사진을 찍어서 소분류를 나눠서 찍은 사진에 있는 사물에 대한 정보를 사용자에게 음성으로 안내해줍니다</a:t>
+              <a:t>또한 </a:t>
             </a:r>
             <a:r>
               <a:rPr lang="en-US" altLang="ko-KR" sz="1400" dirty="0">
@@ -5455,7 +5563,7 @@
                   <a:srgbClr val="08A030"/>
                 </a:solidFill>
               </a:rPr>
-              <a:t>. </a:t>
+              <a:t>2D </a:t>
             </a:r>
             <a:r>
               <a:rPr lang="ko-KR" altLang="en-US" sz="1400" dirty="0">
@@ -5463,7 +5571,7 @@
                   <a:srgbClr val="08A030"/>
                 </a:solidFill>
               </a:rPr>
-              <a:t>또한 </a:t>
+              <a:t>사진 화면의 물체를 간단한 </a:t>
             </a:r>
             <a:r>
               <a:rPr lang="en-US" altLang="ko-KR" sz="1400" dirty="0">
@@ -5471,7 +5579,7 @@
                   <a:srgbClr val="08A030"/>
                 </a:solidFill>
               </a:rPr>
-              <a:t>2D</a:t>
+              <a:t>3D </a:t>
             </a:r>
             <a:r>
               <a:rPr lang="ko-KR" altLang="en-US" sz="1400" dirty="0">
@@ -5479,7 +5587,7 @@
                   <a:srgbClr val="08A030"/>
                 </a:solidFill>
               </a:rPr>
-              <a:t> 사진 화면의 물체를 간단한 </a:t>
+              <a:t>모델링으로 변환하여 내가 원하는 색</a:t>
             </a:r>
             <a:r>
               <a:rPr lang="en-US" altLang="ko-KR" sz="1400" dirty="0">
@@ -5487,7 +5595,7 @@
                   <a:srgbClr val="08A030"/>
                 </a:solidFill>
               </a:rPr>
-              <a:t>3D</a:t>
+              <a:t>, </a:t>
             </a:r>
             <a:r>
               <a:rPr lang="ko-KR" altLang="en-US" sz="1400" dirty="0">
@@ -5495,7 +5603,7 @@
                   <a:srgbClr val="08A030"/>
                 </a:solidFill>
               </a:rPr>
-              <a:t>로 모델링으로 변환하여 내가 원하는 색</a:t>
+              <a:t>내가 원하는 크기로 나의 수집함에 저장 할 수 있습니다</a:t>
             </a:r>
             <a:r>
               <a:rPr lang="en-US" altLang="ko-KR" sz="1400" dirty="0">
@@ -5503,23 +5611,7 @@
                   <a:srgbClr val="08A030"/>
                 </a:solidFill>
               </a:rPr>
-              <a:t>, </a:t>
-            </a:r>
-            <a:r>
-              <a:rPr lang="ko-KR" altLang="en-US" sz="1400" dirty="0">
-                <a:solidFill>
-                  <a:srgbClr val="08A030"/>
-                </a:solidFill>
-              </a:rPr>
-              <a:t>내가 원하는 크기로 나의 수집함에 저장 할 수 있습니다</a:t>
-            </a:r>
-            <a:r>
-              <a:rPr lang="en-US" altLang="ko-KR" sz="1400" dirty="0">
-                <a:solidFill>
-                  <a:srgbClr val="08A030"/>
-                </a:solidFill>
-              </a:rPr>
-              <a:t>. </a:t>
+              <a:t>.</a:t>
             </a:r>
           </a:p>
           <a:p>
@@ -5546,7 +5638,7 @@
                   <a:srgbClr val="08A030"/>
                 </a:solidFill>
               </a:rPr>
-              <a:t>이러한 수집목록에 대한 퀘스트 형식의 도전과제를 부여해서 달성 했을 시 성취감을 느끼게 하여 사용자의 이용을 촉진합니다</a:t>
+              <a:t>이러한 수집목록에 대한 퀘스트 형식의 도전과제를 부여해서 달성했을 시 성취감을 느끼게 하여 사용자의 이용을 촉진합니다</a:t>
             </a:r>
             <a:r>
               <a:rPr lang="en-US" altLang="ko-KR" sz="1400" dirty="0">
@@ -5562,23 +5654,7 @@
                   <a:srgbClr val="08A030"/>
                 </a:solidFill>
               </a:rPr>
-              <a:t>그리고 이렇게 모은 수집함에서의 수집개수와</a:t>
-            </a:r>
-            <a:r>
-              <a:rPr lang="en-US" altLang="ko-KR" sz="1400" dirty="0">
-                <a:solidFill>
-                  <a:srgbClr val="08A030"/>
-                </a:solidFill>
-              </a:rPr>
-              <a:t> </a:t>
-            </a:r>
-            <a:r>
-              <a:rPr lang="ko-KR" altLang="en-US" sz="1400" dirty="0">
-                <a:solidFill>
-                  <a:srgbClr val="08A030"/>
-                </a:solidFill>
-              </a:rPr>
-              <a:t>희귀도에 따라서 다른 사용자와의 비교를 통한 랭킹시스템을 구축할 예정입니다</a:t>
+              <a:t>그리고 이렇게 모은 수집함에서의 수집개수와 희귀도에 따라서 다른 사용자와의 비교를 통한 랭킹시스템을 구축할 예정입니다</a:t>
             </a:r>
             <a:r>
               <a:rPr lang="en-US" altLang="ko-KR" sz="1400" dirty="0">
@@ -5621,7 +5697,7 @@
                   <a:srgbClr val="08A030"/>
                 </a:solidFill>
               </a:rPr>
-              <a:t>.</a:t>
+              <a:t>. </a:t>
             </a:r>
             <a:r>
               <a:rPr lang="ko-KR" altLang="en-US" sz="1400" dirty="0">
@@ -5629,7 +5705,7 @@
                   <a:srgbClr val="08A030"/>
                 </a:solidFill>
               </a:rPr>
-              <a:t> 지적 호기심 충족시킬 수 있는 서비스를 구축하여 학습에 도움을 줄 수 있다고 예상합니다</a:t>
+              <a:t>지적 호기심 충족시킬 수 있는 서비스를 구축하여 학습에 도움을 줄 수 있다고 예상합니다</a:t>
             </a:r>
             <a:r>
               <a:rPr lang="en-US" altLang="ko-KR" sz="1400" dirty="0">
@@ -5696,15 +5772,15 @@
                   <a:srgbClr val="08A030"/>
                 </a:solidFill>
               </a:rPr>
-              <a:t>만약 어린이가 학교 옆에 있는 </a:t>
-            </a:r>
-            <a:r>
-              <a:rPr lang="ko-KR" altLang="en-US" sz="1400" dirty="0" err="1">
-                <a:solidFill>
-                  <a:srgbClr val="08A030"/>
-                </a:solidFill>
-              </a:rPr>
-              <a:t>그랜져를</a:t>
+              <a:t>만약 어린이가 학교 옆에 있는 그랜저를 사진으로 찍으면 목소리로 “현대 자동차의 그랜저</a:t>
+            </a:r>
+            <a:r>
+              <a:rPr lang="en-US" altLang="ko-KR" sz="1400" dirty="0">
+                <a:solidFill>
+                  <a:srgbClr val="08A030"/>
+                </a:solidFill>
+              </a:rPr>
+              <a:t>, </a:t>
             </a:r>
             <a:r>
               <a:rPr lang="ko-KR" altLang="en-US" sz="1400" dirty="0">
@@ -5712,7 +5788,7 @@
                   <a:srgbClr val="08A030"/>
                 </a:solidFill>
               </a:rPr>
-              <a:t> 사진으로 찍으면</a:t>
+              <a:t>아버지들의 로망이다</a:t>
             </a:r>
             <a:r>
               <a:rPr lang="en-US" altLang="ko-KR" sz="1400" dirty="0">
@@ -5720,63 +5796,7 @@
                   <a:srgbClr val="08A030"/>
                 </a:solidFill>
               </a:rPr>
-              <a:t> </a:t>
-            </a:r>
-            <a:r>
-              <a:rPr lang="ko-KR" altLang="en-US" sz="1400" dirty="0">
-                <a:solidFill>
-                  <a:srgbClr val="08A030"/>
-                </a:solidFill>
-              </a:rPr>
-              <a:t>보이스로 </a:t>
-            </a:r>
-            <a:r>
-              <a:rPr lang="en-US" altLang="ko-KR" sz="1400" dirty="0">
-                <a:solidFill>
-                  <a:srgbClr val="08A030"/>
-                </a:solidFill>
-              </a:rPr>
-              <a:t>“</a:t>
-            </a:r>
-            <a:r>
-              <a:rPr lang="ko-KR" altLang="en-US" sz="1400" dirty="0">
-                <a:solidFill>
-                  <a:srgbClr val="08A030"/>
-                </a:solidFill>
-              </a:rPr>
-              <a:t>현대 자동차의 </a:t>
-            </a:r>
-            <a:r>
-              <a:rPr lang="ko-KR" altLang="en-US" sz="1400" dirty="0" err="1">
-                <a:solidFill>
-                  <a:srgbClr val="08A030"/>
-                </a:solidFill>
-              </a:rPr>
-              <a:t>그랜져</a:t>
-            </a:r>
-            <a:r>
-              <a:rPr lang="en-US" altLang="ko-KR" sz="1400" dirty="0">
-                <a:solidFill>
-                  <a:srgbClr val="08A030"/>
-                </a:solidFill>
-              </a:rPr>
-              <a:t>, </a:t>
-            </a:r>
-            <a:r>
-              <a:rPr lang="ko-KR" altLang="en-US" sz="1400" dirty="0">
-                <a:solidFill>
-                  <a:srgbClr val="08A030"/>
-                </a:solidFill>
-              </a:rPr>
-              <a:t>아버지들의 로망이다</a:t>
-            </a:r>
-            <a:r>
-              <a:rPr lang="en-US" altLang="ko-KR" sz="1400" dirty="0">
-                <a:solidFill>
-                  <a:srgbClr val="08A030"/>
-                </a:solidFill>
-              </a:rPr>
-              <a:t>.” </a:t>
+              <a:t>.”</a:t>
             </a:r>
             <a:r>
               <a:rPr lang="ko-KR" altLang="en-US" sz="1400" dirty="0">
@@ -6742,7 +6762,11 @@
             </a:lvl9pPr>
           </a:lstStyle>
           <a:p>
-            <a:pPr algn="l"/>
+            <a:pPr algn="l">
+              <a:lnSpc>
+                <a:spcPct val="110000"/>
+              </a:lnSpc>
+            </a:pPr>
             <a:r>
               <a:rPr lang="en-US" altLang="ko-KR" sz="1500" dirty="0">
                 <a:solidFill>
@@ -6857,7 +6881,11 @@
             </a:r>
           </a:p>
           <a:p>
-            <a:pPr algn="l"/>
+            <a:pPr algn="l">
+              <a:lnSpc>
+                <a:spcPct val="110000"/>
+              </a:lnSpc>
+            </a:pPr>
             <a:endParaRPr lang="ko-KR" altLang="en-US" sz="1500" dirty="0">
               <a:solidFill>
                 <a:srgbClr val="08A030"/>
@@ -6867,7 +6895,7 @@
           <a:p>
             <a:pPr algn="l">
               <a:lnSpc>
-                <a:spcPct val="100000"/>
+                <a:spcPct val="110000"/>
               </a:lnSpc>
             </a:pPr>
             <a:r>
@@ -6878,16 +6906,11 @@
               </a:rPr>
               <a:t>목적</a:t>
             </a:r>
-            <a:endParaRPr lang="en-US" altLang="ko-KR" sz="1400" dirty="0">
-              <a:solidFill>
-                <a:srgbClr val="08A030"/>
-              </a:solidFill>
-            </a:endParaRPr>
           </a:p>
           <a:p>
             <a:pPr algn="l">
               <a:lnSpc>
-                <a:spcPct val="100000"/>
+                <a:spcPct val="110000"/>
               </a:lnSpc>
             </a:pPr>
             <a:r>
@@ -6896,7 +6919,7 @@
                   <a:srgbClr val="08A030"/>
                 </a:solidFill>
               </a:rPr>
-              <a:t>정적인 페이퍼 형식의 도감은 어린이의 흥미를 미미하게 끌고 글을 읽을 수 없는 어린 아이나</a:t>
+              <a:t>정적인 페이퍼 형식의 도감은 어린이의 흥미를 끌지 못합니다</a:t>
             </a:r>
             <a:r>
               <a:rPr lang="en-US" altLang="ko-KR" sz="1400" dirty="0">
@@ -6904,6 +6927,61 @@
                   <a:srgbClr val="08A030"/>
                 </a:solidFill>
               </a:rPr>
+              <a:t>. </a:t>
+            </a:r>
+            <a:r>
+              <a:rPr lang="ko-KR" altLang="en-US" sz="1400" dirty="0">
+                <a:solidFill>
+                  <a:srgbClr val="08A030"/>
+                </a:solidFill>
+              </a:rPr>
+              <a:t>이러한 점을 해결하고자 </a:t>
+            </a:r>
+            <a:r>
+              <a:rPr lang="en-US" altLang="ko-KR" sz="1400" dirty="0">
+                <a:solidFill>
+                  <a:srgbClr val="08A030"/>
+                </a:solidFill>
+              </a:rPr>
+              <a:t>NAVER AI API</a:t>
+            </a:r>
+            <a:r>
+              <a:rPr lang="ko-KR" altLang="en-US" sz="1400" dirty="0">
+                <a:solidFill>
+                  <a:srgbClr val="08A030"/>
+                </a:solidFill>
+              </a:rPr>
+              <a:t>를 사용하여 더욱 정확한 목소리로 아이들이 궁금해하는 것을 알려준다면 아이들이 거부감 없이 학습 할 수 있는 효과를 기대할 수 있습니다</a:t>
+            </a:r>
+            <a:r>
+              <a:rPr lang="en-US" altLang="ko-KR" sz="1400" dirty="0">
+                <a:solidFill>
+                  <a:srgbClr val="08A030"/>
+                </a:solidFill>
+              </a:rPr>
+              <a:t>.</a:t>
+            </a:r>
+          </a:p>
+          <a:p>
+            <a:pPr algn="l">
+              <a:lnSpc>
+                <a:spcPct val="110000"/>
+              </a:lnSpc>
+            </a:pPr>
+            <a:r>
+              <a:rPr lang="ko-KR" altLang="en-US" sz="1400" dirty="0">
+                <a:solidFill>
+                  <a:srgbClr val="08A030"/>
+                </a:solidFill>
+              </a:rPr>
+              <a:t>어린이 눈높이에 맞추어 도감을 개발한다면 첫째</a:t>
+            </a:r>
+            <a:r>
+              <a:rPr lang="en-US" altLang="ko-KR" sz="1400" dirty="0">
+                <a:solidFill>
+                  <a:srgbClr val="08A030"/>
+                </a:solidFill>
+              </a:rPr>
               <a:t>, </a:t>
             </a:r>
             <a:r>
@@ -6912,7 +6990,7 @@
                   <a:srgbClr val="08A030"/>
                 </a:solidFill>
               </a:rPr>
-              <a:t>시각적으로 불편한 아이들은 누군가의 도움을 받음으로서 청각적인 이점을 인력을 사용하여야 했습니다</a:t>
+              <a:t>어린이들의 호기심을 자극하여 </a:t>
             </a:r>
             <a:r>
               <a:rPr lang="en-US" altLang="ko-KR" sz="1400" dirty="0">
@@ -6920,6 +6998,22 @@
                   <a:srgbClr val="08A030"/>
                 </a:solidFill>
               </a:rPr>
+              <a:t>IQ </a:t>
+            </a:r>
+            <a:r>
+              <a:rPr lang="ko-KR" altLang="en-US" sz="1400" dirty="0">
+                <a:solidFill>
+                  <a:srgbClr val="08A030"/>
+                </a:solidFill>
+              </a:rPr>
+              <a:t>및 자신감을 얻게 할 수 있습니다</a:t>
+            </a:r>
+            <a:r>
+              <a:rPr lang="en-US" altLang="ko-KR" sz="1400" dirty="0">
+                <a:solidFill>
+                  <a:srgbClr val="08A030"/>
+                </a:solidFill>
+              </a:rPr>
               <a:t>. </a:t>
             </a:r>
             <a:r>
@@ -6928,7 +7022,7 @@
                   <a:srgbClr val="08A030"/>
                 </a:solidFill>
               </a:rPr>
-              <a:t>이러한 점을 해결 하고자 </a:t>
+              <a:t>어린이들의 지능이 발달할 시기에 궁금한 것을 바로 해결하지 못한다면 쌓인 궁금증으로 인한 스트레스 때문에 지능발달에 무리를 줄 수 있습니다</a:t>
             </a:r>
             <a:r>
               <a:rPr lang="en-US" altLang="ko-KR" sz="1400" dirty="0">
@@ -6936,7 +7030,7 @@
                   <a:srgbClr val="08A030"/>
                 </a:solidFill>
               </a:rPr>
-              <a:t>NAVER AI API</a:t>
+              <a:t>. </a:t>
             </a:r>
             <a:r>
               <a:rPr lang="ko-KR" altLang="en-US" sz="1400" dirty="0">
@@ -6944,7 +7038,7 @@
                   <a:srgbClr val="08A030"/>
                 </a:solidFill>
               </a:rPr>
-              <a:t>를 사용하여 보다 정확한 목소리로 아이들이 궁금해 하는 것을 알려준다면 아이들이 거부감 없이 학습 할 수 있는 효과를 기대할 수 있고</a:t>
+              <a:t>저희 앱은 실시간으로 어린이들이 궁금해하는 것을 빠르고 정확하게 알려줘 지능발달에 도움을 줍니다</a:t>
             </a:r>
             <a:r>
               <a:rPr lang="en-US" altLang="ko-KR" sz="1400" dirty="0">
@@ -6952,6 +7046,29 @@
                   <a:srgbClr val="08A030"/>
                 </a:solidFill>
               </a:rPr>
+              <a:t>.</a:t>
+            </a:r>
+          </a:p>
+          <a:p>
+            <a:pPr algn="l">
+              <a:lnSpc>
+                <a:spcPct val="110000"/>
+              </a:lnSpc>
+            </a:pPr>
+            <a:r>
+              <a:rPr lang="ko-KR" altLang="en-US" sz="1400" dirty="0">
+                <a:solidFill>
+                  <a:srgbClr val="08A030"/>
+                </a:solidFill>
+              </a:rPr>
+              <a:t>두 번째</a:t>
+            </a:r>
+            <a:r>
+              <a:rPr lang="en-US" altLang="ko-KR" sz="1400" dirty="0">
+                <a:solidFill>
+                  <a:srgbClr val="08A030"/>
+                </a:solidFill>
+              </a:rPr>
               <a:t>, </a:t>
             </a:r>
             <a:r>
@@ -6960,7 +7077,7 @@
                   <a:srgbClr val="08A030"/>
                 </a:solidFill>
               </a:rPr>
-              <a:t>어린이 눈높이에 맞추어 도감을 개발한다면 첫째</a:t>
+              <a:t>어린이들의 사회성을 기를 수 있습니다</a:t>
             </a:r>
             <a:r>
               <a:rPr lang="en-US" altLang="ko-KR" sz="1400" dirty="0">
@@ -6976,7 +7093,23 @@
                   <a:srgbClr val="08A030"/>
                 </a:solidFill>
               </a:rPr>
-              <a:t>어린이들의 호기심을 자극하여 </a:t>
+              <a:t>어린이들의 시각에 맞춘 앱이기 때문에 어린이들 사이에서 자연스럽게 유행이 될 것이고 그로 인해 </a:t>
+            </a:r>
+            <a:r>
+              <a:rPr lang="ko-KR" altLang="en-US" sz="1400" dirty="0" err="1">
+                <a:solidFill>
+                  <a:srgbClr val="08A030"/>
+                </a:solidFill>
+              </a:rPr>
+              <a:t>또래들과의</a:t>
+            </a:r>
+            <a:r>
+              <a:rPr lang="ko-KR" altLang="en-US" sz="1400" dirty="0">
+                <a:solidFill>
+                  <a:srgbClr val="08A030"/>
+                </a:solidFill>
+              </a:rPr>
+              <a:t> 유대 관계를 형성 할 수 있습니다</a:t>
             </a:r>
             <a:r>
               <a:rPr lang="en-US" altLang="ko-KR" sz="1400" dirty="0">
@@ -6984,165 +7117,13 @@
                   <a:srgbClr val="08A030"/>
                 </a:solidFill>
               </a:rPr>
-              <a:t>IQ </a:t>
-            </a:r>
-            <a:r>
-              <a:rPr lang="ko-KR" altLang="en-US" sz="1400" dirty="0">
-                <a:solidFill>
-                  <a:srgbClr val="08A030"/>
-                </a:solidFill>
-              </a:rPr>
-              <a:t>밑 자신감을 얻게 할 수 있습니다</a:t>
-            </a:r>
-            <a:r>
-              <a:rPr lang="en-US" altLang="ko-KR" sz="1400" dirty="0">
-                <a:solidFill>
-                  <a:srgbClr val="08A030"/>
-                </a:solidFill>
-              </a:rPr>
-              <a:t>. </a:t>
-            </a:r>
-            <a:r>
-              <a:rPr lang="ko-KR" altLang="en-US" sz="1400" dirty="0">
-                <a:solidFill>
-                  <a:srgbClr val="08A030"/>
-                </a:solidFill>
-              </a:rPr>
-              <a:t>어린이들의 지능이 발달할 시기에 궁금한 것을 바로 해결하지 못한다면 과도한 스트레스와 쌓인 궁금증이 지능발달에 무리를 줄 수 있습니다</a:t>
-            </a:r>
-            <a:r>
-              <a:rPr lang="en-US" altLang="ko-KR" sz="1400" dirty="0">
-                <a:solidFill>
-                  <a:srgbClr val="08A030"/>
-                </a:solidFill>
-              </a:rPr>
-              <a:t>. </a:t>
-            </a:r>
-            <a:r>
-              <a:rPr lang="ko-KR" altLang="en-US" sz="1400" dirty="0">
-                <a:solidFill>
-                  <a:srgbClr val="08A030"/>
-                </a:solidFill>
-              </a:rPr>
-              <a:t>저희 어플은 </a:t>
-            </a:r>
-            <a:r>
-              <a:rPr lang="en-US" altLang="ko-KR" sz="1400" dirty="0">
-                <a:solidFill>
-                  <a:srgbClr val="08A030"/>
-                </a:solidFill>
-              </a:rPr>
-              <a:t>Real Time</a:t>
-            </a:r>
-            <a:r>
-              <a:rPr lang="ko-KR" altLang="en-US" sz="1400" dirty="0">
-                <a:solidFill>
-                  <a:srgbClr val="08A030"/>
-                </a:solidFill>
-              </a:rPr>
-              <a:t>으로 어린이들이 무엇이 궁금한지 빠르게 캐치해주고 정확한 정보를 알려줘 지능발달에 도움을 줍니다</a:t>
-            </a:r>
-            <a:r>
-              <a:rPr lang="en-US" altLang="ko-KR" sz="1400" dirty="0">
-                <a:solidFill>
-                  <a:srgbClr val="08A030"/>
-                </a:solidFill>
-              </a:rPr>
-              <a:t>. </a:t>
-            </a:r>
-            <a:r>
-              <a:rPr lang="ko-KR" altLang="en-US" sz="1400" dirty="0">
-                <a:solidFill>
-                  <a:srgbClr val="08A030"/>
-                </a:solidFill>
-              </a:rPr>
-              <a:t>두번째</a:t>
-            </a:r>
-            <a:r>
-              <a:rPr lang="en-US" altLang="ko-KR" sz="1400" dirty="0">
-                <a:solidFill>
-                  <a:srgbClr val="08A030"/>
-                </a:solidFill>
-              </a:rPr>
-              <a:t>. </a:t>
-            </a:r>
-            <a:r>
-              <a:rPr lang="ko-KR" altLang="en-US" sz="1400" dirty="0">
-                <a:solidFill>
-                  <a:srgbClr val="08A030"/>
-                </a:solidFill>
-              </a:rPr>
-              <a:t>어린이들의 사회성을 기를 수 있습니다</a:t>
-            </a:r>
-            <a:r>
-              <a:rPr lang="en-US" altLang="ko-KR" sz="1400" dirty="0">
-                <a:solidFill>
-                  <a:srgbClr val="08A030"/>
-                </a:solidFill>
-              </a:rPr>
-              <a:t>. </a:t>
-            </a:r>
-            <a:r>
-              <a:rPr lang="ko-KR" altLang="en-US" sz="1400" dirty="0">
-                <a:solidFill>
-                  <a:srgbClr val="08A030"/>
-                </a:solidFill>
-              </a:rPr>
-              <a:t>어린이들의 시각의 맞춘 어플이기 때문에 어린이들 사이에서 자연스럽게 유행이 되고 그 뿐만 아니라 청소년</a:t>
-            </a:r>
-            <a:r>
-              <a:rPr lang="en-US" altLang="ko-KR" sz="1400" dirty="0">
-                <a:solidFill>
-                  <a:srgbClr val="08A030"/>
-                </a:solidFill>
-              </a:rPr>
-              <a:t>, </a:t>
-            </a:r>
-            <a:r>
-              <a:rPr lang="ko-KR" altLang="en-US" sz="1400" dirty="0">
-                <a:solidFill>
-                  <a:srgbClr val="08A030"/>
-                </a:solidFill>
-              </a:rPr>
-              <a:t>성인들의 어플 사용으로 인한 유행으로 인해 다수의 사용자를 확보 후 </a:t>
-            </a:r>
-            <a:r>
-              <a:rPr lang="ko-KR" altLang="en-US" sz="1400" dirty="0" err="1">
-                <a:solidFill>
-                  <a:srgbClr val="08A030"/>
-                </a:solidFill>
-              </a:rPr>
-              <a:t>관심있어하는</a:t>
-            </a:r>
-            <a:r>
-              <a:rPr lang="ko-KR" altLang="en-US" sz="1400" dirty="0">
-                <a:solidFill>
-                  <a:srgbClr val="08A030"/>
-                </a:solidFill>
-              </a:rPr>
-              <a:t> 상품을 파악하여 </a:t>
-            </a:r>
-            <a:r>
-              <a:rPr lang="ko-KR" altLang="en-US" sz="1400" dirty="0" err="1">
-                <a:solidFill>
-                  <a:srgbClr val="08A030"/>
-                </a:solidFill>
-              </a:rPr>
-              <a:t>관련있는</a:t>
-            </a:r>
-            <a:r>
-              <a:rPr lang="ko-KR" altLang="en-US" sz="1400" dirty="0">
-                <a:solidFill>
-                  <a:srgbClr val="08A030"/>
-                </a:solidFill>
-              </a:rPr>
-              <a:t> 상품의 쇼핑 광고를 노출하여 높은 수익을 기대할 수 있습니다</a:t>
+              <a:t>.</a:t>
             </a:r>
           </a:p>
           <a:p>
             <a:pPr algn="l">
               <a:lnSpc>
-                <a:spcPct val="100000"/>
+                <a:spcPct val="110000"/>
               </a:lnSpc>
             </a:pPr>
             <a:endParaRPr lang="en-US" altLang="ko-KR" sz="1400" dirty="0">
@@ -7154,7 +7135,7 @@
           <a:p>
             <a:pPr algn="l">
               <a:lnSpc>
-                <a:spcPct val="100000"/>
+                <a:spcPct val="110000"/>
               </a:lnSpc>
             </a:pPr>
             <a:r>
@@ -7165,6 +7146,84 @@
               </a:rPr>
               <a:t>기대효과</a:t>
             </a:r>
+          </a:p>
+          <a:p>
+            <a:pPr algn="l">
+              <a:lnSpc>
+                <a:spcPct val="110000"/>
+              </a:lnSpc>
+            </a:pPr>
+            <a:r>
+              <a:rPr lang="ko-KR" altLang="en-US" sz="1400" dirty="0">
+                <a:solidFill>
+                  <a:srgbClr val="08A030"/>
+                </a:solidFill>
+              </a:rPr>
+              <a:t>내부적 </a:t>
+            </a:r>
+            <a:r>
+              <a:rPr lang="en-US" altLang="ko-KR" sz="1400" dirty="0">
+                <a:solidFill>
+                  <a:srgbClr val="08A030"/>
+                </a:solidFill>
+              </a:rPr>
+              <a:t>- </a:t>
+            </a:r>
+            <a:r>
+              <a:rPr lang="ko-KR" altLang="en-US" sz="1400" dirty="0">
+                <a:solidFill>
+                  <a:srgbClr val="08A030"/>
+                </a:solidFill>
+              </a:rPr>
+              <a:t>도감을 사용하면 사용자의 궁금증을 해결해 줄 뿐만 아니라 사용자의 사용을 촉진하여 사용자들로부터 많은 양의 데이터를 얻고</a:t>
+            </a:r>
+            <a:r>
+              <a:rPr lang="en-US" altLang="ko-KR" sz="1400" dirty="0">
+                <a:solidFill>
+                  <a:srgbClr val="08A030"/>
+                </a:solidFill>
+              </a:rPr>
+              <a:t>, </a:t>
+            </a:r>
+            <a:r>
+              <a:rPr lang="ko-KR" altLang="en-US" sz="1400" dirty="0">
+                <a:solidFill>
+                  <a:srgbClr val="08A030"/>
+                </a:solidFill>
+              </a:rPr>
+              <a:t>그 데이터를 연령별</a:t>
+            </a:r>
+            <a:r>
+              <a:rPr lang="en-US" altLang="ko-KR" sz="1400" dirty="0">
+                <a:solidFill>
+                  <a:srgbClr val="08A030"/>
+                </a:solidFill>
+              </a:rPr>
+              <a:t>, </a:t>
+            </a:r>
+            <a:r>
+              <a:rPr lang="ko-KR" altLang="en-US" sz="1400" dirty="0">
+                <a:solidFill>
+                  <a:srgbClr val="08A030"/>
+                </a:solidFill>
+              </a:rPr>
+              <a:t>카테고리별로 트렌드를 파악하여 이후 어린이들을 대상으로 한 서비스에 대해 더 좋은 기획이 가능해집니다</a:t>
+            </a:r>
+            <a:r>
+              <a:rPr lang="en-US" altLang="ko-KR" sz="1400" dirty="0">
+                <a:solidFill>
+                  <a:srgbClr val="08A030"/>
+                </a:solidFill>
+              </a:rPr>
+              <a:t>.</a:t>
+            </a:r>
+          </a:p>
+          <a:p>
+            <a:pPr algn="l">
+              <a:lnSpc>
+                <a:spcPct val="110000"/>
+              </a:lnSpc>
+            </a:pPr>
             <a:endParaRPr lang="en-US" altLang="ko-KR" sz="1400" dirty="0">
               <a:solidFill>
                 <a:srgbClr val="08A030"/>
@@ -7174,7 +7233,7 @@
           <a:p>
             <a:pPr algn="l">
               <a:lnSpc>
-                <a:spcPct val="100000"/>
+                <a:spcPct val="110000"/>
               </a:lnSpc>
             </a:pPr>
             <a:r>
@@ -7183,7 +7242,7 @@
                   <a:srgbClr val="08A030"/>
                 </a:solidFill>
               </a:rPr>
-              <a:t>내부적 </a:t>
+              <a:t>외부적 </a:t>
             </a:r>
             <a:r>
               <a:rPr lang="en-US" altLang="ko-KR" sz="1400" dirty="0">
@@ -7199,7 +7258,7 @@
                   <a:srgbClr val="08A030"/>
                 </a:solidFill>
               </a:rPr>
-              <a:t>도감을 사용하면 사용자의 궁금증을 해결해 줄 뿐만 아니라 사용자의 사용을 촉진하여 사용자들로 부터 많은 양의 사진을 얻고</a:t>
+              <a:t>어린이들에게 사용을 촉진하여</a:t>
             </a:r>
             <a:r>
               <a:rPr lang="en-US" altLang="ko-KR" sz="1400" dirty="0">
@@ -7215,7 +7274,7 @@
                   <a:srgbClr val="08A030"/>
                 </a:solidFill>
               </a:rPr>
-              <a:t>그 데이터를 연령별</a:t>
+              <a:t>언어적</a:t>
             </a:r>
             <a:r>
               <a:rPr lang="en-US" altLang="ko-KR" sz="1400" dirty="0">
@@ -7231,34 +7290,23 @@
                   <a:srgbClr val="08A030"/>
                 </a:solidFill>
               </a:rPr>
-              <a:t>카테고리별로 대한민국 최신 트렌드를 미리 파악하여 이후 더 좋은 기획이 가능해짐</a:t>
-            </a:r>
-          </a:p>
-          <a:p>
-            <a:pPr algn="l">
-              <a:lnSpc>
-                <a:spcPct val="100000"/>
-              </a:lnSpc>
-            </a:pPr>
-            <a:endParaRPr lang="ko-KR" altLang="en-US" sz="1400" dirty="0">
-              <a:solidFill>
-                <a:srgbClr val="08A030"/>
-              </a:solidFill>
-            </a:endParaRPr>
-          </a:p>
-          <a:p>
-            <a:pPr algn="l">
-              <a:lnSpc>
-                <a:spcPct val="100000"/>
-              </a:lnSpc>
-            </a:pPr>
+              <a:t>시각적 교육 효과를 볼 수 있습니다</a:t>
+            </a:r>
+            <a:r>
+              <a:rPr lang="en-US" altLang="ko-KR" sz="1400" dirty="0">
+                <a:solidFill>
+                  <a:srgbClr val="08A030"/>
+                </a:solidFill>
+              </a:rPr>
+              <a:t>. </a:t>
+            </a:r>
             <a:r>
               <a:rPr lang="ko-KR" altLang="en-US" sz="1400" dirty="0">
                 <a:solidFill>
                   <a:srgbClr val="08A030"/>
                 </a:solidFill>
               </a:rPr>
-              <a:t>외부적 </a:t>
+              <a:t>또한</a:t>
             </a:r>
             <a:r>
               <a:rPr lang="en-US" altLang="ko-KR" sz="1400" dirty="0">
@@ -7266,7 +7314,7 @@
                   <a:srgbClr val="08A030"/>
                 </a:solidFill>
               </a:rPr>
-              <a:t>- </a:t>
+              <a:t>, </a:t>
             </a:r>
             <a:r>
               <a:rPr lang="ko-KR" altLang="en-US" sz="1400" dirty="0">
@@ -7274,7 +7322,23 @@
                   <a:srgbClr val="08A030"/>
                 </a:solidFill>
               </a:rPr>
-              <a:t>어린이들에게 사용을 촉진하여</a:t>
+              <a:t>수집과 랭킹시스템을 통하여 </a:t>
+            </a:r>
+            <a:r>
+              <a:rPr lang="ko-KR" altLang="en-US" sz="1400" dirty="0" err="1">
+                <a:solidFill>
+                  <a:srgbClr val="08A030"/>
+                </a:solidFill>
+              </a:rPr>
+              <a:t>어린이들끼리의</a:t>
+            </a:r>
+            <a:r>
+              <a:rPr lang="ko-KR" altLang="en-US" sz="1400" dirty="0">
+                <a:solidFill>
+                  <a:srgbClr val="08A030"/>
+                </a:solidFill>
+              </a:rPr>
+              <a:t> 사회성을 기름으로써 자신감을 얻을 수 있습니다</a:t>
             </a:r>
             <a:r>
               <a:rPr lang="en-US" altLang="ko-KR" sz="1400" dirty="0">
@@ -7282,96 +7346,8 @@
                   <a:srgbClr val="08A030"/>
                 </a:solidFill>
               </a:rPr>
-              <a:t>, </a:t>
-            </a:r>
-            <a:r>
-              <a:rPr lang="ko-KR" altLang="en-US" sz="1400" dirty="0">
-                <a:solidFill>
-                  <a:srgbClr val="08A030"/>
-                </a:solidFill>
-              </a:rPr>
-              <a:t>언어적</a:t>
-            </a:r>
-            <a:r>
-              <a:rPr lang="en-US" altLang="ko-KR" sz="1400" dirty="0">
-                <a:solidFill>
-                  <a:srgbClr val="08A030"/>
-                </a:solidFill>
-              </a:rPr>
-              <a:t>, </a:t>
-            </a:r>
-            <a:r>
-              <a:rPr lang="ko-KR" altLang="en-US" sz="1400" dirty="0">
-                <a:solidFill>
-                  <a:srgbClr val="08A030"/>
-                </a:solidFill>
-              </a:rPr>
-              <a:t>시각적 교육효과를 볼 수 있으며</a:t>
-            </a:r>
-            <a:r>
-              <a:rPr lang="en-US" altLang="ko-KR" sz="1400" dirty="0">
-                <a:solidFill>
-                  <a:srgbClr val="08A030"/>
-                </a:solidFill>
-              </a:rPr>
-              <a:t>, </a:t>
-            </a:r>
-            <a:r>
-              <a:rPr lang="ko-KR" altLang="en-US" sz="1400" dirty="0">
-                <a:solidFill>
-                  <a:srgbClr val="08A030"/>
-                </a:solidFill>
-              </a:rPr>
-              <a:t>수집과 랭킹시스템을 통하여 </a:t>
-            </a:r>
-            <a:r>
-              <a:rPr lang="ko-KR" altLang="en-US" sz="1400" dirty="0" err="1">
-                <a:solidFill>
-                  <a:srgbClr val="08A030"/>
-                </a:solidFill>
-              </a:rPr>
-              <a:t>어린이들끼리의</a:t>
-            </a:r>
-            <a:r>
-              <a:rPr lang="ko-KR" altLang="en-US" sz="1400" dirty="0">
-                <a:solidFill>
-                  <a:srgbClr val="08A030"/>
-                </a:solidFill>
-              </a:rPr>
-              <a:t> 사회성을 기름으로서 자신감을 얻을 수 있습니다</a:t>
-            </a:r>
-            <a:r>
-              <a:rPr lang="en-US" altLang="ko-KR" sz="1400" dirty="0">
-                <a:solidFill>
-                  <a:srgbClr val="08A030"/>
-                </a:solidFill>
-              </a:rPr>
               <a:t>.</a:t>
             </a:r>
-          </a:p>
-          <a:p>
-            <a:pPr algn="l"/>
-            <a:endParaRPr lang="en-US" altLang="ko-KR" sz="1500" dirty="0">
-              <a:solidFill>
-                <a:srgbClr val="08A030"/>
-              </a:solidFill>
-            </a:endParaRPr>
-          </a:p>
-          <a:p>
-            <a:pPr algn="l"/>
-            <a:endParaRPr lang="en-US" altLang="ko-KR" sz="1500" dirty="0">
-              <a:solidFill>
-                <a:srgbClr val="08A030"/>
-              </a:solidFill>
-            </a:endParaRPr>
-          </a:p>
-          <a:p>
-            <a:pPr algn="l"/>
-            <a:endParaRPr lang="en-US" altLang="ko-KR" sz="1500" dirty="0">
-              <a:solidFill>
-                <a:srgbClr val="08A030"/>
-              </a:solidFill>
-            </a:endParaRPr>
           </a:p>
         </p:txBody>
       </p:sp>
@@ -8252,14 +8228,14 @@
           <p:nvPr/>
         </p:nvPicPr>
         <p:blipFill>
-          <a:blip r:embed="rId2"/>
+          <a:blip r:embed="rId3"/>
           <a:stretch>
             <a:fillRect/>
           </a:stretch>
         </p:blipFill>
         <p:spPr>
           <a:xfrm>
-            <a:off x="455447" y="3165269"/>
+            <a:off x="455447" y="2921017"/>
             <a:ext cx="7513845" cy="3294782"/>
           </a:xfrm>
           <a:prstGeom prst="rect">
@@ -8282,14 +8258,14 @@
           <p:nvPr/>
         </p:nvPicPr>
         <p:blipFill rotWithShape="1">
-          <a:blip r:embed="rId3"/>
+          <a:blip r:embed="rId4"/>
           <a:srcRect l="38174"/>
           <a:stretch/>
         </p:blipFill>
         <p:spPr>
           <a:xfrm>
             <a:off x="8488647" y="972144"/>
-            <a:ext cx="3247906" cy="5575595"/>
+            <a:ext cx="3093701" cy="5310875"/>
           </a:xfrm>
           <a:prstGeom prst="rect">
             <a:avLst/>
@@ -8311,7 +8287,7 @@
         <p:spPr>
           <a:xfrm>
             <a:off x="454515" y="1085556"/>
-            <a:ext cx="8325591" cy="1815882"/>
+            <a:ext cx="8325591" cy="1600438"/>
           </a:xfrm>
           <a:prstGeom prst="rect">
             <a:avLst/>
@@ -8362,7 +8338,7 @@
                   <a:srgbClr val="08A030"/>
                 </a:solidFill>
               </a:rPr>
-              <a:t>프레임워크를 사용하여 웹 어플리케이션을 구현합니다</a:t>
+              <a:t>프레임워크를 사용하여 웹 애플리케이션을 구현합니다</a:t>
             </a:r>
             <a:r>
               <a:rPr lang="en-US" altLang="ko-KR" sz="1400" dirty="0">
@@ -8410,7 +8386,7 @@
                   <a:srgbClr val="08A030"/>
                 </a:solidFill>
               </a:rPr>
-              <a:t>으로 객체를 대분류한 뒤에 그 세부 소분류 직접 나눕니다</a:t>
+              <a:t>로 객체를 대분류한 뒤에 그 소분류를 직접 나눕니다</a:t>
             </a:r>
             <a:r>
               <a:rPr lang="en-US" altLang="ko-KR" sz="1400" dirty="0">
@@ -8418,7 +8394,7 @@
                   <a:srgbClr val="08A030"/>
                 </a:solidFill>
               </a:rPr>
-              <a:t>.</a:t>
+              <a:t>. 80</a:t>
             </a:r>
             <a:r>
               <a:rPr lang="ko-KR" altLang="en-US" sz="1400" dirty="0">
@@ -8426,7 +8402,7 @@
                   <a:srgbClr val="08A030"/>
                 </a:solidFill>
               </a:rPr>
-              <a:t> </a:t>
+              <a:t>개에 클래스에 대해서 네이버 개발자 센터의 이미지 검색 서비스 </a:t>
             </a:r>
             <a:r>
               <a:rPr lang="en-US" altLang="ko-KR" sz="1400" dirty="0">
@@ -8434,7 +8410,7 @@
                   <a:srgbClr val="08A030"/>
                 </a:solidFill>
               </a:rPr>
-              <a:t>80</a:t>
+              <a:t>API</a:t>
             </a:r>
             <a:r>
               <a:rPr lang="ko-KR" altLang="en-US" sz="1400" dirty="0">
@@ -8442,7 +8418,7 @@
                   <a:srgbClr val="08A030"/>
                 </a:solidFill>
               </a:rPr>
-              <a:t>개에 클래스에 대해서 네이버의 개발자 센터의 이미지 검색 서비스 </a:t>
+              <a:t>로 관련 이미지를 수집하여 </a:t>
             </a:r>
             <a:r>
               <a:rPr lang="en-US" altLang="ko-KR" sz="1400" dirty="0">
@@ -8450,7 +8426,7 @@
                   <a:srgbClr val="08A030"/>
                 </a:solidFill>
               </a:rPr>
-              <a:t>API</a:t>
+              <a:t>NoSQL DB </a:t>
             </a:r>
             <a:r>
               <a:rPr lang="ko-KR" altLang="en-US" sz="1400" dirty="0">
@@ -8458,7 +8434,7 @@
                   <a:srgbClr val="08A030"/>
                 </a:solidFill>
               </a:rPr>
-              <a:t>로 관련 이미지를 수집하여 </a:t>
+              <a:t>서버에 저장합니다</a:t>
             </a:r>
             <a:r>
               <a:rPr lang="en-US" altLang="ko-KR" sz="1400" dirty="0">
@@ -8466,7 +8442,7 @@
                   <a:srgbClr val="08A030"/>
                 </a:solidFill>
               </a:rPr>
-              <a:t>NoSQL DB </a:t>
+              <a:t>. DB</a:t>
             </a:r>
             <a:r>
               <a:rPr lang="ko-KR" altLang="en-US" sz="1400" dirty="0">
@@ -8474,23 +8450,7 @@
                   <a:srgbClr val="08A030"/>
                 </a:solidFill>
               </a:rPr>
-              <a:t>서버에 저장합니다</a:t>
-            </a:r>
-            <a:r>
-              <a:rPr lang="en-US" altLang="ko-KR" sz="1400" dirty="0">
-                <a:solidFill>
-                  <a:srgbClr val="08A030"/>
-                </a:solidFill>
-              </a:rPr>
-              <a:t>. DB</a:t>
-            </a:r>
-            <a:r>
-              <a:rPr lang="ko-KR" altLang="en-US" sz="1400" dirty="0">
-                <a:solidFill>
-                  <a:srgbClr val="08A030"/>
-                </a:solidFill>
-              </a:rPr>
-              <a:t>에 저장한 사진을 딥러닝 모델을 사용하여 학습시켜 예측 모델을 만듭니다</a:t>
+              <a:t>에 저장한 사진을 학습 시켜 딥러닝 예측 모델을 만듭니다</a:t>
             </a:r>
             <a:r>
               <a:rPr lang="en-US" altLang="ko-KR" sz="1400" dirty="0">
@@ -8531,7 +8491,7 @@
                   <a:srgbClr val="08A030"/>
                 </a:solidFill>
               </a:rPr>
-              <a:t>를 통해 대분류 한 후에 예측 모델에 넣어 소분류를 예측합니다</a:t>
+              <a:t>를 통해 대분류한 후에 예측 모델에 넣어 소분류를 예측합니다</a:t>
             </a:r>
             <a:r>
               <a:rPr lang="en-US" altLang="ko-KR" sz="1400" dirty="0">
@@ -8563,7 +8523,7 @@
                   <a:srgbClr val="08A030"/>
                 </a:solidFill>
               </a:rPr>
-              <a:t> speech synthesis</a:t>
+              <a:t> speech synthesis API</a:t>
             </a:r>
             <a:r>
               <a:rPr lang="ko-KR" altLang="en-US" sz="1400" dirty="0">
@@ -8571,32 +8531,112 @@
                   <a:srgbClr val="08A030"/>
                 </a:solidFill>
               </a:rPr>
+              <a:t>를 사용해 음성으로 안내합니다</a:t>
+            </a:r>
+            <a:r>
+              <a:rPr lang="en-US" altLang="ko-KR" sz="1400" dirty="0">
+                <a:solidFill>
+                  <a:srgbClr val="08A030"/>
+                </a:solidFill>
+              </a:rPr>
+              <a:t>.</a:t>
+            </a:r>
+          </a:p>
+        </p:txBody>
+      </p:sp>
+      <p:sp>
+        <p:nvSpPr>
+          <p:cNvPr id="4" name="TextBox 3">
+            <a:extLst>
+              <a:ext uri="{FF2B5EF4-FFF2-40B4-BE49-F238E27FC236}">
+                <a16:creationId xmlns:a16="http://schemas.microsoft.com/office/drawing/2014/main" id="{9AC17871-00D6-4B5E-9F34-29FF615FC12D}"/>
+              </a:ext>
+            </a:extLst>
+          </p:cNvPr>
+          <p:cNvSpPr txBox="1"/>
+          <p:nvPr/>
+        </p:nvSpPr>
+        <p:spPr>
+          <a:xfrm>
+            <a:off x="3079100" y="6219453"/>
+            <a:ext cx="1739579" cy="276999"/>
+          </a:xfrm>
+          <a:prstGeom prst="rect">
+            <a:avLst/>
+          </a:prstGeom>
+          <a:noFill/>
+        </p:spPr>
+        <p:txBody>
+          <a:bodyPr wrap="none" rtlCol="0">
+            <a:spAutoFit/>
+          </a:bodyPr>
+          <a:lstStyle/>
+          <a:p>
+            <a:r>
+              <a:rPr lang="en-US" altLang="ko-KR" sz="1200" dirty="0"/>
+              <a:t>&lt;</a:t>
+            </a:r>
+            <a:r>
+              <a:rPr lang="ko-KR" altLang="en-US" sz="1200" dirty="0"/>
+              <a:t>앱 서비스 구동방식</a:t>
+            </a:r>
+            <a:r>
+              <a:rPr lang="en-US" altLang="ko-KR" sz="1200" dirty="0"/>
+              <a:t>&gt;</a:t>
+            </a:r>
+            <a:endParaRPr lang="ko-KR" altLang="en-US" sz="1200" dirty="0"/>
+          </a:p>
+        </p:txBody>
+      </p:sp>
+      <p:sp>
+        <p:nvSpPr>
+          <p:cNvPr id="13" name="TextBox 12">
+            <a:extLst>
+              <a:ext uri="{FF2B5EF4-FFF2-40B4-BE49-F238E27FC236}">
+                <a16:creationId xmlns:a16="http://schemas.microsoft.com/office/drawing/2014/main" id="{F4A89E74-7787-41E1-A2C1-FD6F1C63DF14}"/>
+              </a:ext>
+            </a:extLst>
+          </p:cNvPr>
+          <p:cNvSpPr txBox="1"/>
+          <p:nvPr/>
+        </p:nvSpPr>
+        <p:spPr>
+          <a:xfrm>
+            <a:off x="8962286" y="6274483"/>
+            <a:ext cx="2146421" cy="276999"/>
+          </a:xfrm>
+          <a:prstGeom prst="rect">
+            <a:avLst/>
+          </a:prstGeom>
+          <a:noFill/>
+        </p:spPr>
+        <p:txBody>
+          <a:bodyPr wrap="none" rtlCol="0">
+            <a:spAutoFit/>
+          </a:bodyPr>
+          <a:lstStyle/>
+          <a:p>
+            <a:r>
+              <a:rPr lang="en-US" altLang="ko-KR" sz="1200" dirty="0"/>
+              <a:t>&lt;Deep</a:t>
+            </a:r>
+            <a:r>
+              <a:rPr lang="ko-KR" altLang="en-US" sz="1200" dirty="0"/>
               <a:t> </a:t>
             </a:r>
             <a:r>
-              <a:rPr lang="en-US" altLang="ko-KR" sz="1400" dirty="0">
-                <a:solidFill>
-                  <a:srgbClr val="08A030"/>
-                </a:solidFill>
-              </a:rPr>
-              <a:t>API</a:t>
-            </a:r>
-            <a:r>
-              <a:rPr lang="ko-KR" altLang="en-US" sz="1400" dirty="0">
-                <a:solidFill>
-                  <a:srgbClr val="08A030"/>
-                </a:solidFill>
-              </a:rPr>
-              <a:t>로 음성으로 안내합니다</a:t>
-            </a:r>
-            <a:r>
-              <a:rPr lang="en-US" altLang="ko-KR" sz="1400" dirty="0">
-                <a:solidFill>
-                  <a:srgbClr val="08A030"/>
-                </a:solidFill>
-              </a:rPr>
-              <a:t>.</a:t>
-            </a:r>
+              <a:rPr lang="en-US" altLang="ko-KR" sz="1200" dirty="0"/>
+              <a:t>Learning </a:t>
+            </a:r>
+            <a:r>
+              <a:rPr lang="ko-KR" altLang="en-US" sz="1200" dirty="0"/>
+              <a:t>예측 모델</a:t>
+            </a:r>
+            <a:r>
+              <a:rPr lang="en-US" altLang="ko-KR" sz="1200" dirty="0"/>
+              <a:t>&gt;</a:t>
+            </a:r>
+            <a:endParaRPr lang="ko-KR" altLang="en-US" sz="1200" dirty="0"/>
           </a:p>
         </p:txBody>
       </p:sp>
@@ -9403,6 +9443,14 @@
           <a:p>
             <a:pPr algn="l"/>
             <a:r>
+              <a:rPr lang="en-US" altLang="ko-KR" sz="1500" dirty="0">
+                <a:solidFill>
+                  <a:srgbClr val="08A030"/>
+                </a:solidFill>
+              </a:rPr>
+              <a:t>    </a:t>
+            </a:r>
+            <a:r>
               <a:rPr lang="ko-KR" altLang="en-US" sz="1500" dirty="0">
                 <a:solidFill>
                   <a:srgbClr val="08A030"/>
@@ -9491,7 +9539,7 @@
         </p:blipFill>
         <p:spPr>
           <a:xfrm>
-            <a:off x="6699399" y="2111338"/>
+            <a:off x="6559664" y="2129595"/>
             <a:ext cx="5137001" cy="4146736"/>
           </a:xfrm>
           <a:prstGeom prst="rect">
@@ -9521,7 +9569,7 @@
         </p:blipFill>
         <p:spPr>
           <a:xfrm>
-            <a:off x="386782" y="2094206"/>
+            <a:off x="551202" y="2094206"/>
             <a:ext cx="5202505" cy="4277333"/>
           </a:xfrm>
           <a:prstGeom prst="rect">
@@ -10370,9 +10418,9 @@
             </a:endParaRPr>
           </a:p>
           <a:p>
-            <a:pPr algn="l"/>
-            <a:r>
-              <a:rPr lang="ko-KR" altLang="en-US" sz="1500" dirty="0">
+            <a:pPr lvl="1" algn="l"/>
+            <a:r>
+              <a:rPr lang="ko-KR" altLang="en-US" sz="1400" dirty="0">
                 <a:solidFill>
                   <a:srgbClr val="08A030"/>
                 </a:solidFill>
@@ -10380,7 +10428,7 @@
               <a:t>수집함 예상 이미지 </a:t>
             </a:r>
             <a:r>
-              <a:rPr lang="en-US" altLang="ko-KR" sz="1500" dirty="0">
+              <a:rPr lang="en-US" altLang="ko-KR" sz="1400" dirty="0">
                 <a:solidFill>
                   <a:srgbClr val="08A030"/>
                 </a:solidFill>
@@ -10388,7 +10436,7 @@
               <a:t>– </a:t>
             </a:r>
             <a:r>
-              <a:rPr lang="ko-KR" altLang="en-US" sz="1500" dirty="0">
+              <a:rPr lang="ko-KR" altLang="en-US" sz="1400" dirty="0">
                 <a:solidFill>
                   <a:srgbClr val="08A030"/>
                 </a:solidFill>
@@ -10396,15 +10444,15 @@
               <a:t>사물을 자신의 보관함에 자유롭게 배치하며 꾸밀 수 있고</a:t>
             </a:r>
             <a:r>
-              <a:rPr lang="en-US" altLang="ko-KR" sz="1500" dirty="0">
-                <a:solidFill>
-                  <a:srgbClr val="08A030"/>
-                </a:solidFill>
-              </a:rPr>
-              <a:t>, Unique</a:t>
-            </a:r>
-            <a:r>
-              <a:rPr lang="ko-KR" altLang="en-US" sz="1500" dirty="0">
+              <a:rPr lang="en-US" altLang="ko-KR" sz="1400" dirty="0">
+                <a:solidFill>
+                  <a:srgbClr val="08A030"/>
+                </a:solidFill>
+              </a:rPr>
+              <a:t>, Unique </a:t>
+            </a:r>
+            <a:r>
+              <a:rPr lang="ko-KR" altLang="en-US" sz="1400" dirty="0">
                 <a:solidFill>
                   <a:srgbClr val="08A030"/>
                 </a:solidFill>
@@ -10412,7 +10460,7 @@
               <a:t>한 사물과 사물의 개수로 자신의 레벨과 랭킹 순위를 확인 할 수 있다</a:t>
             </a:r>
             <a:r>
-              <a:rPr lang="en-US" altLang="ko-KR" sz="1500" dirty="0">
+              <a:rPr lang="en-US" altLang="ko-KR" sz="1400" dirty="0">
                 <a:solidFill>
                   <a:srgbClr val="08A030"/>
                 </a:solidFill>
@@ -10496,8 +10544,8 @@
         </p:nvSpPr>
         <p:spPr>
           <a:xfrm>
-            <a:off x="665582" y="5639896"/>
-            <a:ext cx="3825086" cy="369332"/>
+            <a:off x="665582" y="5672011"/>
+            <a:ext cx="3906839" cy="369332"/>
           </a:xfrm>
           <a:prstGeom prst="rect">
             <a:avLst/>
@@ -10512,15 +10560,7 @@
           <a:p>
             <a:r>
               <a:rPr lang="ko-KR" altLang="en-US" dirty="0"/>
-              <a:t>사진 </a:t>
-            </a:r>
-            <a:r>
-              <a:rPr lang="ko-KR" altLang="en-US" dirty="0" err="1"/>
-              <a:t>촬영후</a:t>
-            </a:r>
-            <a:r>
-              <a:rPr lang="ko-KR" altLang="en-US" dirty="0"/>
-              <a:t> 수집함에 저장될 모델 </a:t>
+              <a:t>사진 촬영 후 수집함에 저장될 모델 </a:t>
             </a:r>
           </a:p>
         </p:txBody>
@@ -10539,7 +10579,7 @@
         </p:nvSpPr>
         <p:spPr>
           <a:xfrm>
-            <a:off x="5219070" y="5639896"/>
+            <a:off x="5237327" y="5672011"/>
             <a:ext cx="5835252" cy="369332"/>
           </a:xfrm>
           <a:prstGeom prst="rect">
